--- a/spiral_bebel_gear_Klingelnberg.pptx
+++ b/spiral_bebel_gear_Klingelnberg.pptx
@@ -104,6 +104,11 @@
       </a:defRPr>
     </a:lvl9pPr>
   </p:defaultTextStyle>
+  <p:extLst>
+    <p:ext uri="{EFAFB233-063F-42B5-8137-9DF3F51BA10A}">
+      <p15:sldGuideLst xmlns:p15="http://schemas.microsoft.com/office/powerpoint/2012/main"/>
+    </p:ext>
+  </p:extLst>
 </p:presentation>
 </file>
 
@@ -3623,7 +3628,7 @@
         </p:nvSpPr>
         <p:spPr>
           <a:xfrm>
-            <a:off x="200298" y="200298"/>
+            <a:off x="95795" y="1345766"/>
             <a:ext cx="3185487" cy="369332"/>
           </a:xfrm>
           <a:prstGeom prst="rect">
@@ -3671,8 +3676,8 @@
         </p:blipFill>
         <p:spPr>
           <a:xfrm>
-            <a:off x="402680" y="725712"/>
-            <a:ext cx="4883423" cy="4473762"/>
+            <a:off x="3462935" y="132416"/>
+            <a:ext cx="3455217" cy="3165365"/>
           </a:xfrm>
           <a:prstGeom prst="rect">
             <a:avLst/>
@@ -3701,8 +3706,108 @@
         </p:blipFill>
         <p:spPr>
           <a:xfrm>
-            <a:off x="5707507" y="784495"/>
-            <a:ext cx="5845150" cy="4111954"/>
+            <a:off x="7460652" y="181648"/>
+            <a:ext cx="4359602" cy="3066899"/>
+          </a:xfrm>
+          <a:prstGeom prst="rect">
+            <a:avLst/>
+          </a:prstGeom>
+        </p:spPr>
+      </p:pic>
+      <p:sp>
+        <p:nvSpPr>
+          <p:cNvPr id="2" name="テキスト ボックス 1">
+            <a:extLst>
+              <a:ext uri="{FF2B5EF4-FFF2-40B4-BE49-F238E27FC236}">
+                <a16:creationId xmlns:a16="http://schemas.microsoft.com/office/drawing/2014/main" id="{560AFC78-04B8-57F5-1765-08EDDFFE3EF1}"/>
+              </a:ext>
+            </a:extLst>
+          </p:cNvPr>
+          <p:cNvSpPr txBox="1"/>
+          <p:nvPr/>
+        </p:nvSpPr>
+        <p:spPr>
+          <a:xfrm>
+            <a:off x="95795" y="4189115"/>
+            <a:ext cx="3185487" cy="369332"/>
+          </a:xfrm>
+          <a:prstGeom prst="rect">
+            <a:avLst/>
+          </a:prstGeom>
+          <a:noFill/>
+        </p:spPr>
+        <p:txBody>
+          <a:bodyPr wrap="none" rtlCol="0">
+            <a:spAutoFit/>
+          </a:bodyPr>
+          <a:lstStyle/>
+          <a:p>
+            <a:r>
+              <a:rPr kumimoji="1" lang="ja-JP" altLang="en-US" dirty="0"/>
+              <a:t>スプライン補間後のギア</a:t>
+            </a:r>
+            <a:r>
+              <a:rPr lang="ja-JP" altLang="en-US" dirty="0"/>
+              <a:t>歯面</a:t>
+            </a:r>
+            <a:endParaRPr kumimoji="1" lang="ja-JP" altLang="en-US" dirty="0"/>
+          </a:p>
+        </p:txBody>
+      </p:sp>
+      <p:pic>
+        <p:nvPicPr>
+          <p:cNvPr id="13" name="図 12">
+            <a:extLst>
+              <a:ext uri="{FF2B5EF4-FFF2-40B4-BE49-F238E27FC236}">
+                <a16:creationId xmlns:a16="http://schemas.microsoft.com/office/drawing/2014/main" id="{63A77AAE-4922-FCE0-B0C4-7033608AB265}"/>
+              </a:ext>
+            </a:extLst>
+          </p:cNvPr>
+          <p:cNvPicPr>
+            <a:picLocks noChangeAspect="1"/>
+          </p:cNvPicPr>
+          <p:nvPr/>
+        </p:nvPicPr>
+        <p:blipFill>
+          <a:blip r:embed="rId4"/>
+          <a:stretch>
+            <a:fillRect/>
+          </a:stretch>
+        </p:blipFill>
+        <p:spPr>
+          <a:xfrm>
+            <a:off x="3558094" y="3663382"/>
+            <a:ext cx="3379443" cy="2919655"/>
+          </a:xfrm>
+          <a:prstGeom prst="rect">
+            <a:avLst/>
+          </a:prstGeom>
+        </p:spPr>
+      </p:pic>
+      <p:pic>
+        <p:nvPicPr>
+          <p:cNvPr id="15" name="図 14">
+            <a:extLst>
+              <a:ext uri="{FF2B5EF4-FFF2-40B4-BE49-F238E27FC236}">
+                <a16:creationId xmlns:a16="http://schemas.microsoft.com/office/drawing/2014/main" id="{7901F797-4DF4-BC57-B772-F7E0058C2CAD}"/>
+              </a:ext>
+            </a:extLst>
+          </p:cNvPr>
+          <p:cNvPicPr>
+            <a:picLocks noChangeAspect="1"/>
+          </p:cNvPicPr>
+          <p:nvPr/>
+        </p:nvPicPr>
+        <p:blipFill>
+          <a:blip r:embed="rId5"/>
+          <a:stretch>
+            <a:fillRect/>
+          </a:stretch>
+        </p:blipFill>
+        <p:spPr>
+          <a:xfrm>
+            <a:off x="7633067" y="3413508"/>
+            <a:ext cx="3997307" cy="3066899"/>
           </a:xfrm>
           <a:prstGeom prst="rect">
             <a:avLst/>
